--- a/Machine Learning para Business Intelligence/Clase 2/Bases de datos.pptx
+++ b/Machine Learning para Business Intelligence/Clase 2/Bases de datos.pptx
@@ -5,7 +5,7 @@
     <p:sldMasterId id="2147483648" r:id="rId4"/>
   </p:sldMasterIdLst>
   <p:notesMasterIdLst>
-    <p:notesMasterId r:id="rId30"/>
+    <p:notesMasterId r:id="rId29"/>
   </p:notesMasterIdLst>
   <p:sldIdLst>
     <p:sldId id="267" r:id="rId5"/>
@@ -28,11 +28,10 @@
     <p:sldId id="354" r:id="rId22"/>
     <p:sldId id="355" r:id="rId23"/>
     <p:sldId id="356" r:id="rId24"/>
-    <p:sldId id="357" r:id="rId25"/>
-    <p:sldId id="358" r:id="rId26"/>
-    <p:sldId id="359" r:id="rId27"/>
-    <p:sldId id="360" r:id="rId28"/>
-    <p:sldId id="361" r:id="rId29"/>
+    <p:sldId id="358" r:id="rId25"/>
+    <p:sldId id="359" r:id="rId26"/>
+    <p:sldId id="360" r:id="rId27"/>
+    <p:sldId id="361" r:id="rId28"/>
   </p:sldIdLst>
   <p:sldSz cx="12192000" cy="6858000"/>
   <p:notesSz cx="6858000" cy="9144000"/>
@@ -142,13 +141,52 @@
 <file path=ppt/revisionInfo.xml><?xml version="1.0" encoding="utf-8"?>
 <p1510:revInfo xmlns:a="http://schemas.openxmlformats.org/drawingml/2006/main" xmlns:r="http://schemas.openxmlformats.org/officeDocument/2006/relationships" xmlns:p1510="http://schemas.microsoft.com/office/powerpoint/2015/10/main">
   <p1510:revLst>
-    <p1510:client id="{ADC6B1C8-30C5-4B1E-B37C-EF6697D12C21}" v="353" dt="2023-04-20T23:00:03.286"/>
+    <p1510:client id="{0328CDDB-A1AC-48CE-8820-5A1FDCD11CE9}" v="1" dt="2023-08-17T21:18:34.312"/>
   </p1510:revLst>
 </p1510:revInfo>
 </file>
 
 <file path=ppt/changesInfos/changesInfo1.xml><?xml version="1.0" encoding="utf-8"?>
 <pc:chgInfo xmlns:a="http://schemas.openxmlformats.org/drawingml/2006/main" xmlns:r="http://schemas.openxmlformats.org/officeDocument/2006/relationships" xmlns:ac="http://schemas.microsoft.com/office/drawing/2013/main/command" xmlns:pc="http://schemas.microsoft.com/office/powerpoint/2013/main/command">
+  <pc:docChgLst>
+    <pc:chgData name="Lucas  Gomez Tobon" userId="b8a6d8fe-e4ad-4825-8cc6-ab3fedc37e7a" providerId="ADAL" clId="{0328CDDB-A1AC-48CE-8820-5A1FDCD11CE9}"/>
+    <pc:docChg chg="custSel delSld modSld">
+      <pc:chgData name="Lucas  Gomez Tobon" userId="b8a6d8fe-e4ad-4825-8cc6-ab3fedc37e7a" providerId="ADAL" clId="{0328CDDB-A1AC-48CE-8820-5A1FDCD11CE9}" dt="2023-08-17T21:19:00.281" v="2" actId="47"/>
+      <pc:docMkLst>
+        <pc:docMk/>
+      </pc:docMkLst>
+      <pc:sldChg chg="addSp delSp modSp mod">
+        <pc:chgData name="Lucas  Gomez Tobon" userId="b8a6d8fe-e4ad-4825-8cc6-ab3fedc37e7a" providerId="ADAL" clId="{0328CDDB-A1AC-48CE-8820-5A1FDCD11CE9}" dt="2023-08-17T21:18:34.312" v="1"/>
+        <pc:sldMkLst>
+          <pc:docMk/>
+          <pc:sldMk cId="2812341239" sldId="351"/>
+        </pc:sldMkLst>
+        <pc:graphicFrameChg chg="add mod">
+          <ac:chgData name="Lucas  Gomez Tobon" userId="b8a6d8fe-e4ad-4825-8cc6-ab3fedc37e7a" providerId="ADAL" clId="{0328CDDB-A1AC-48CE-8820-5A1FDCD11CE9}" dt="2023-08-17T21:18:34.312" v="1"/>
+          <ac:graphicFrameMkLst>
+            <pc:docMk/>
+            <pc:sldMk cId="2812341239" sldId="351"/>
+            <ac:graphicFrameMk id="4" creationId="{1BF6EDE9-0F9E-F062-CC84-48FCA2D25B40}"/>
+          </ac:graphicFrameMkLst>
+        </pc:graphicFrameChg>
+        <pc:graphicFrameChg chg="del">
+          <ac:chgData name="Lucas  Gomez Tobon" userId="b8a6d8fe-e4ad-4825-8cc6-ab3fedc37e7a" providerId="ADAL" clId="{0328CDDB-A1AC-48CE-8820-5A1FDCD11CE9}" dt="2023-08-17T21:18:33.972" v="0" actId="478"/>
+          <ac:graphicFrameMkLst>
+            <pc:docMk/>
+            <pc:sldMk cId="2812341239" sldId="351"/>
+            <ac:graphicFrameMk id="6" creationId="{FD7D629E-A345-7987-BC72-D58847D70776}"/>
+          </ac:graphicFrameMkLst>
+        </pc:graphicFrameChg>
+      </pc:sldChg>
+      <pc:sldChg chg="del">
+        <pc:chgData name="Lucas  Gomez Tobon" userId="b8a6d8fe-e4ad-4825-8cc6-ab3fedc37e7a" providerId="ADAL" clId="{0328CDDB-A1AC-48CE-8820-5A1FDCD11CE9}" dt="2023-08-17T21:19:00.281" v="2" actId="47"/>
+        <pc:sldMkLst>
+          <pc:docMk/>
+          <pc:sldMk cId="3305697876" sldId="357"/>
+        </pc:sldMkLst>
+      </pc:sldChg>
+    </pc:docChg>
+  </pc:docChgLst>
   <pc:docChgLst>
     <pc:chgData name="Lucas  Gomez Tobon" userId="b8a6d8fe-e4ad-4825-8cc6-ab3fedc37e7a" providerId="ADAL" clId="{660127F2-89D0-4329-A92E-172200A69019}"/>
     <pc:docChg chg="undo custSel addSld delSld modSld">
@@ -5768,7 +5806,7 @@
               <c:strCache>
                 <c:ptCount val="1"/>
                 <c:pt idx="0">
-                  <c:v>Ciudad</c:v>
+                  <c:v>Precio</c:v>
                 </c:pt>
               </c:strCache>
             </c:strRef>
@@ -5803,45 +5841,81 @@
             <c:multiLvlStrRef>
               <c:f>Hoja1!$A$2:$B$13</c:f>
               <c:multiLvlStrCache>
-                <c:ptCount val="6"/>
+                <c:ptCount val="12"/>
                 <c:lvl>
                   <c:pt idx="0">
-                    <c:v>100</c:v>
+                    <c:v>Google</c:v>
                   </c:pt>
                   <c:pt idx="1">
-                    <c:v>70</c:v>
+                    <c:v>Google</c:v>
                   </c:pt>
                   <c:pt idx="2">
-                    <c:v>65</c:v>
+                    <c:v>Google</c:v>
                   </c:pt>
                   <c:pt idx="3">
-                    <c:v>…</c:v>
+                    <c:v>Google</c:v>
                   </c:pt>
                   <c:pt idx="4">
-                    <c:v>120</c:v>
+                    <c:v>Google</c:v>
                   </c:pt>
                   <c:pt idx="5">
-                    <c:v>80</c:v>
+                    <c:v>Google</c:v>
+                  </c:pt>
+                  <c:pt idx="6">
+                    <c:v>Google</c:v>
+                  </c:pt>
+                  <c:pt idx="7">
+                    <c:v>Google</c:v>
+                  </c:pt>
+                  <c:pt idx="8">
+                    <c:v>Google</c:v>
+                  </c:pt>
+                  <c:pt idx="9">
+                    <c:v>Google</c:v>
+                  </c:pt>
+                  <c:pt idx="10">
+                    <c:v>Google</c:v>
+                  </c:pt>
+                  <c:pt idx="11">
+                    <c:v>Google</c:v>
                   </c:pt>
                 </c:lvl>
                 <c:lvl>
                   <c:pt idx="0">
-                    <c:v> $ 4.000.000 </c:v>
+                    <c:v>1</c:v>
                   </c:pt>
                   <c:pt idx="1">
-                    <c:v> $ 2.600.000 </c:v>
+                    <c:v>2</c:v>
                   </c:pt>
                   <c:pt idx="2">
-                    <c:v> $ 3.000.000 </c:v>
+                    <c:v>3</c:v>
                   </c:pt>
                   <c:pt idx="3">
-                    <c:v> … </c:v>
+                    <c:v>4</c:v>
                   </c:pt>
                   <c:pt idx="4">
-                    <c:v> $ 5.240.000 </c:v>
+                    <c:v>5</c:v>
                   </c:pt>
                   <c:pt idx="5">
-                    <c:v> $ 3.400.000 </c:v>
+                    <c:v>6</c:v>
+                  </c:pt>
+                  <c:pt idx="6">
+                    <c:v>7</c:v>
+                  </c:pt>
+                  <c:pt idx="7">
+                    <c:v>8</c:v>
+                  </c:pt>
+                  <c:pt idx="8">
+                    <c:v>9</c:v>
+                  </c:pt>
+                  <c:pt idx="9">
+                    <c:v>10</c:v>
+                  </c:pt>
+                  <c:pt idx="10">
+                    <c:v>11</c:v>
+                  </c:pt>
+                  <c:pt idx="11">
+                    <c:v>12</c:v>
                   </c:pt>
                 </c:lvl>
               </c:multiLvlStrCache>
@@ -5854,22 +5928,31 @@
                 <c:formatCode>General</c:formatCode>
                 <c:ptCount val="12"/>
                 <c:pt idx="0">
-                  <c:v>0</c:v>
+                  <c:v>2</c:v>
                 </c:pt>
                 <c:pt idx="1">
-                  <c:v>0</c:v>
+                  <c:v>4</c:v>
                 </c:pt>
                 <c:pt idx="2">
-                  <c:v>0</c:v>
+                  <c:v>8</c:v>
                 </c:pt>
                 <c:pt idx="3">
-                  <c:v>0</c:v>
+                  <c:v>16</c:v>
                 </c:pt>
                 <c:pt idx="4">
-                  <c:v>0</c:v>
+                  <c:v>32</c:v>
                 </c:pt>
                 <c:pt idx="5">
-                  <c:v>0</c:v>
+                  <c:v>64</c:v>
+                </c:pt>
+                <c:pt idx="6">
+                  <c:v>128</c:v>
+                </c:pt>
+                <c:pt idx="7">
+                  <c:v>256</c:v>
+                </c:pt>
+                <c:pt idx="8">
+                  <c:v>512</c:v>
                 </c:pt>
               </c:numCache>
             </c:numRef>
@@ -5877,7 +5960,7 @@
           <c:smooth val="0"/>
           <c:extLst>
             <c:ext xmlns:c16="http://schemas.microsoft.com/office/drawing/2014/chart" uri="{C3380CC4-5D6E-409C-BE32-E72D297353CC}">
-              <c16:uniqueId val="{00000001-7E95-4416-A3B8-046BD0F23CB5}"/>
+              <c16:uniqueId val="{00000001-3664-42FC-B9CD-509B115B5872}"/>
             </c:ext>
           </c:extLst>
         </c:ser>
@@ -7614,7 +7697,7 @@
           <a:p>
             <a:fld id="{5D8360AB-ECCC-4AB9-9986-DB855C6723B2}" type="datetimeFigureOut">
               <a:rPr lang="es-CO" smtClean="0"/>
-              <a:t>20/04/2023</a:t>
+              <a:t>17/08/2023</a:t>
             </a:fld>
             <a:endParaRPr lang="es-CO"/>
           </a:p>
@@ -8964,7 +9047,7 @@
     </p:spTree>
     <p:extLst>
       <p:ext uri="{BB962C8B-B14F-4D97-AF65-F5344CB8AC3E}">
-        <p14:creationId xmlns:p14="http://schemas.microsoft.com/office/powerpoint/2010/main" val="629203922"/>
+        <p14:creationId xmlns:p14="http://schemas.microsoft.com/office/powerpoint/2010/main" val="3262146520"/>
       </p:ext>
     </p:extLst>
   </p:cSld>
@@ -9048,7 +9131,7 @@
     </p:spTree>
     <p:extLst>
       <p:ext uri="{BB962C8B-B14F-4D97-AF65-F5344CB8AC3E}">
-        <p14:creationId xmlns:p14="http://schemas.microsoft.com/office/powerpoint/2010/main" val="3262146520"/>
+        <p14:creationId xmlns:p14="http://schemas.microsoft.com/office/powerpoint/2010/main" val="44618136"/>
       </p:ext>
     </p:extLst>
   </p:cSld>
@@ -9132,7 +9215,7 @@
     </p:spTree>
     <p:extLst>
       <p:ext uri="{BB962C8B-B14F-4D97-AF65-F5344CB8AC3E}">
-        <p14:creationId xmlns:p14="http://schemas.microsoft.com/office/powerpoint/2010/main" val="44618136"/>
+        <p14:creationId xmlns:p14="http://schemas.microsoft.com/office/powerpoint/2010/main" val="2513391281"/>
       </p:ext>
     </p:extLst>
   </p:cSld>
@@ -9208,90 +9291,6 @@
             <a:fld id="{9591F475-DD04-4955-A3F1-B4BEBE9C008C}" type="slidenum">
               <a:rPr lang="es-CO" smtClean="0"/>
               <a:t>24</a:t>
-            </a:fld>
-            <a:endParaRPr lang="es-CO"/>
-          </a:p>
-        </p:txBody>
-      </p:sp>
-    </p:spTree>
-    <p:extLst>
-      <p:ext uri="{BB962C8B-B14F-4D97-AF65-F5344CB8AC3E}">
-        <p14:creationId xmlns:p14="http://schemas.microsoft.com/office/powerpoint/2010/main" val="2513391281"/>
-      </p:ext>
-    </p:extLst>
-  </p:cSld>
-  <p:clrMapOvr>
-    <a:masterClrMapping/>
-  </p:clrMapOvr>
-</p:notes>
-</file>
-
-<file path=ppt/notesSlides/notesSlide24.xml><?xml version="1.0" encoding="utf-8"?>
-<p:notes xmlns:a="http://schemas.openxmlformats.org/drawingml/2006/main" xmlns:r="http://schemas.openxmlformats.org/officeDocument/2006/relationships" xmlns:p="http://schemas.openxmlformats.org/presentationml/2006/main">
-  <p:cSld>
-    <p:spTree>
-      <p:nvGrpSpPr>
-        <p:cNvPr id="1" name=""/>
-        <p:cNvGrpSpPr/>
-        <p:nvPr/>
-      </p:nvGrpSpPr>
-      <p:grpSpPr>
-        <a:xfrm>
-          <a:off x="0" y="0"/>
-          <a:ext cx="0" cy="0"/>
-          <a:chOff x="0" y="0"/>
-          <a:chExt cx="0" cy="0"/>
-        </a:xfrm>
-      </p:grpSpPr>
-      <p:sp>
-        <p:nvSpPr>
-          <p:cNvPr id="2" name="Marcador de imagen de diapositiva 1"/>
-          <p:cNvSpPr>
-            <a:spLocks noGrp="1" noRot="1" noChangeAspect="1"/>
-          </p:cNvSpPr>
-          <p:nvPr>
-            <p:ph type="sldImg"/>
-          </p:nvPr>
-        </p:nvSpPr>
-        <p:spPr/>
-      </p:sp>
-      <p:sp>
-        <p:nvSpPr>
-          <p:cNvPr id="3" name="Marcador de notas 2"/>
-          <p:cNvSpPr>
-            <a:spLocks noGrp="1"/>
-          </p:cNvSpPr>
-          <p:nvPr>
-            <p:ph type="body" idx="1"/>
-          </p:nvPr>
-        </p:nvSpPr>
-        <p:spPr/>
-        <p:txBody>
-          <a:bodyPr/>
-          <a:lstStyle/>
-          <a:p>
-            <a:endParaRPr lang="es-CO" dirty="0"/>
-          </a:p>
-        </p:txBody>
-      </p:sp>
-      <p:sp>
-        <p:nvSpPr>
-          <p:cNvPr id="4" name="Marcador de número de diapositiva 3"/>
-          <p:cNvSpPr>
-            <a:spLocks noGrp="1"/>
-          </p:cNvSpPr>
-          <p:nvPr>
-            <p:ph type="sldNum" sz="quarter" idx="5"/>
-          </p:nvPr>
-        </p:nvSpPr>
-        <p:spPr/>
-        <p:txBody>
-          <a:bodyPr/>
-          <a:lstStyle/>
-          <a:p>
-            <a:fld id="{9591F475-DD04-4955-A3F1-B4BEBE9C008C}" type="slidenum">
-              <a:rPr lang="es-CO" smtClean="0"/>
-              <a:t>25</a:t>
             </a:fld>
             <a:endParaRPr lang="es-CO"/>
           </a:p>
@@ -10047,7 +10046,7 @@
           <a:p>
             <a:fld id="{9AF5A9FD-2DC2-BE4B-86FC-5C6016C20381}" type="datetimeFigureOut">
               <a:rPr lang="es-CO" smtClean="0"/>
-              <a:t>20/04/2023</a:t>
+              <a:t>17/08/2023</a:t>
             </a:fld>
             <a:endParaRPr lang="es-CO"/>
           </a:p>
@@ -10247,7 +10246,7 @@
           <a:p>
             <a:fld id="{9AF5A9FD-2DC2-BE4B-86FC-5C6016C20381}" type="datetimeFigureOut">
               <a:rPr lang="es-CO" smtClean="0"/>
-              <a:t>20/04/2023</a:t>
+              <a:t>17/08/2023</a:t>
             </a:fld>
             <a:endParaRPr lang="es-CO"/>
           </a:p>
@@ -10457,7 +10456,7 @@
           <a:p>
             <a:fld id="{9AF5A9FD-2DC2-BE4B-86FC-5C6016C20381}" type="datetimeFigureOut">
               <a:rPr lang="es-CO" smtClean="0"/>
-              <a:t>20/04/2023</a:t>
+              <a:t>17/08/2023</a:t>
             </a:fld>
             <a:endParaRPr lang="es-CO"/>
           </a:p>
@@ -10657,7 +10656,7 @@
           <a:p>
             <a:fld id="{9AF5A9FD-2DC2-BE4B-86FC-5C6016C20381}" type="datetimeFigureOut">
               <a:rPr lang="es-CO" smtClean="0"/>
-              <a:t>20/04/2023</a:t>
+              <a:t>17/08/2023</a:t>
             </a:fld>
             <a:endParaRPr lang="es-CO"/>
           </a:p>
@@ -10933,7 +10932,7 @@
           <a:p>
             <a:fld id="{9AF5A9FD-2DC2-BE4B-86FC-5C6016C20381}" type="datetimeFigureOut">
               <a:rPr lang="es-CO" smtClean="0"/>
-              <a:t>20/04/2023</a:t>
+              <a:t>17/08/2023</a:t>
             </a:fld>
             <a:endParaRPr lang="es-CO"/>
           </a:p>
@@ -11201,7 +11200,7 @@
           <a:p>
             <a:fld id="{9AF5A9FD-2DC2-BE4B-86FC-5C6016C20381}" type="datetimeFigureOut">
               <a:rPr lang="es-CO" smtClean="0"/>
-              <a:t>20/04/2023</a:t>
+              <a:t>17/08/2023</a:t>
             </a:fld>
             <a:endParaRPr lang="es-CO"/>
           </a:p>
@@ -11616,7 +11615,7 @@
           <a:p>
             <a:fld id="{9AF5A9FD-2DC2-BE4B-86FC-5C6016C20381}" type="datetimeFigureOut">
               <a:rPr lang="es-CO" smtClean="0"/>
-              <a:t>20/04/2023</a:t>
+              <a:t>17/08/2023</a:t>
             </a:fld>
             <a:endParaRPr lang="es-CO"/>
           </a:p>
@@ -11758,7 +11757,7 @@
           <a:p>
             <a:fld id="{9AF5A9FD-2DC2-BE4B-86FC-5C6016C20381}" type="datetimeFigureOut">
               <a:rPr lang="es-CO" smtClean="0"/>
-              <a:t>20/04/2023</a:t>
+              <a:t>17/08/2023</a:t>
             </a:fld>
             <a:endParaRPr lang="es-CO"/>
           </a:p>
@@ -11871,7 +11870,7 @@
           <a:p>
             <a:fld id="{9AF5A9FD-2DC2-BE4B-86FC-5C6016C20381}" type="datetimeFigureOut">
               <a:rPr lang="es-CO" smtClean="0"/>
-              <a:t>20/04/2023</a:t>
+              <a:t>17/08/2023</a:t>
             </a:fld>
             <a:endParaRPr lang="es-CO"/>
           </a:p>
@@ -12184,7 +12183,7 @@
           <a:p>
             <a:fld id="{9AF5A9FD-2DC2-BE4B-86FC-5C6016C20381}" type="datetimeFigureOut">
               <a:rPr lang="es-CO" smtClean="0"/>
-              <a:t>20/04/2023</a:t>
+              <a:t>17/08/2023</a:t>
             </a:fld>
             <a:endParaRPr lang="es-CO"/>
           </a:p>
@@ -12473,7 +12472,7 @@
           <a:p>
             <a:fld id="{9AF5A9FD-2DC2-BE4B-86FC-5C6016C20381}" type="datetimeFigureOut">
               <a:rPr lang="es-CO" smtClean="0"/>
-              <a:t>20/04/2023</a:t>
+              <a:t>17/08/2023</a:t>
             </a:fld>
             <a:endParaRPr lang="es-CO"/>
           </a:p>
@@ -12716,7 +12715,7 @@
           <a:p>
             <a:fld id="{9AF5A9FD-2DC2-BE4B-86FC-5C6016C20381}" type="datetimeFigureOut">
               <a:rPr lang="es-CO" smtClean="0"/>
-              <a:t>20/04/2023</a:t>
+              <a:t>17/08/2023</a:t>
             </a:fld>
             <a:endParaRPr lang="es-CO"/>
           </a:p>
@@ -13601,8 +13600,8 @@
           </a:p>
         </p:txBody>
       </p:sp>
-      <mc:AlternateContent xmlns:mc="http://schemas.openxmlformats.org/markup-compatibility/2006">
-        <mc:Choice xmlns:a14="http://schemas.microsoft.com/office/drawing/2010/main" Requires="a14">
+      <mc:AlternateContent xmlns:mc="http://schemas.openxmlformats.org/markup-compatibility/2006" xmlns:a14="http://schemas.microsoft.com/office/drawing/2010/main">
+        <mc:Choice Requires="a14">
           <p:sp>
             <p:nvSpPr>
               <p:cNvPr id="4" name="CuadroTexto 3">
@@ -13659,7 +13658,7 @@
             </p:txBody>
           </p:sp>
         </mc:Choice>
-        <mc:Fallback>
+        <mc:Fallback xmlns="">
           <p:sp>
             <p:nvSpPr>
               <p:cNvPr id="4" name="CuadroTexto 3">
@@ -13757,8 +13756,8 @@
           </a:p>
         </p:txBody>
       </p:sp>
-      <mc:AlternateContent xmlns:mc="http://schemas.openxmlformats.org/markup-compatibility/2006">
-        <mc:Choice xmlns:a14="http://schemas.microsoft.com/office/drawing/2010/main" Requires="a14">
+      <mc:AlternateContent xmlns:mc="http://schemas.openxmlformats.org/markup-compatibility/2006" xmlns:a14="http://schemas.microsoft.com/office/drawing/2010/main">
+        <mc:Choice Requires="a14">
           <p:sp>
             <p:nvSpPr>
               <p:cNvPr id="6" name="CuadroTexto 5">
@@ -14039,7 +14038,7 @@
             </p:txBody>
           </p:sp>
         </mc:Choice>
-        <mc:Fallback>
+        <mc:Fallback xmlns="">
           <p:sp>
             <p:nvSpPr>
               <p:cNvPr id="6" name="CuadroTexto 5">
@@ -14084,8 +14083,8 @@
           </p:sp>
         </mc:Fallback>
       </mc:AlternateContent>
-      <mc:AlternateContent xmlns:mc="http://schemas.openxmlformats.org/markup-compatibility/2006">
-        <mc:Choice xmlns:a14="http://schemas.microsoft.com/office/drawing/2010/main" Requires="a14">
+      <mc:AlternateContent xmlns:mc="http://schemas.openxmlformats.org/markup-compatibility/2006" xmlns:a14="http://schemas.microsoft.com/office/drawing/2010/main">
+        <mc:Choice Requires="a14">
           <p:sp>
             <p:nvSpPr>
               <p:cNvPr id="7" name="CuadroTexto 6">
@@ -14201,7 +14200,7 @@
             </p:txBody>
           </p:sp>
         </mc:Choice>
-        <mc:Fallback>
+        <mc:Fallback xmlns="">
           <p:sp>
             <p:nvSpPr>
               <p:cNvPr id="7" name="CuadroTexto 6">
@@ -14420,8 +14419,8 @@
           </a:p>
         </p:txBody>
       </p:sp>
-      <mc:AlternateContent xmlns:mc="http://schemas.openxmlformats.org/markup-compatibility/2006">
-        <mc:Choice xmlns:a14="http://schemas.microsoft.com/office/drawing/2010/main" Requires="a14">
+      <mc:AlternateContent xmlns:mc="http://schemas.openxmlformats.org/markup-compatibility/2006" xmlns:a14="http://schemas.microsoft.com/office/drawing/2010/main">
+        <mc:Choice Requires="a14">
           <p:sp>
             <p:nvSpPr>
               <p:cNvPr id="4" name="CuadroTexto 3">
@@ -14478,7 +14477,7 @@
             </p:txBody>
           </p:sp>
         </mc:Choice>
-        <mc:Fallback>
+        <mc:Fallback xmlns="">
           <p:sp>
             <p:nvSpPr>
               <p:cNvPr id="4" name="CuadroTexto 3">
@@ -14576,8 +14575,8 @@
           </a:p>
         </p:txBody>
       </p:sp>
-      <mc:AlternateContent xmlns:mc="http://schemas.openxmlformats.org/markup-compatibility/2006">
-        <mc:Choice xmlns:a14="http://schemas.microsoft.com/office/drawing/2010/main" Requires="a14">
+      <mc:AlternateContent xmlns:mc="http://schemas.openxmlformats.org/markup-compatibility/2006" xmlns:a14="http://schemas.microsoft.com/office/drawing/2010/main">
+        <mc:Choice Requires="a14">
           <p:sp>
             <p:nvSpPr>
               <p:cNvPr id="6" name="CuadroTexto 5">
@@ -14858,7 +14857,7 @@
             </p:txBody>
           </p:sp>
         </mc:Choice>
-        <mc:Fallback>
+        <mc:Fallback xmlns="">
           <p:sp>
             <p:nvSpPr>
               <p:cNvPr id="6" name="CuadroTexto 5">
@@ -14903,8 +14902,8 @@
           </p:sp>
         </mc:Fallback>
       </mc:AlternateContent>
-      <mc:AlternateContent xmlns:mc="http://schemas.openxmlformats.org/markup-compatibility/2006">
-        <mc:Choice xmlns:a14="http://schemas.microsoft.com/office/drawing/2010/main" Requires="a14">
+      <mc:AlternateContent xmlns:mc="http://schemas.openxmlformats.org/markup-compatibility/2006" xmlns:a14="http://schemas.microsoft.com/office/drawing/2010/main">
+        <mc:Choice Requires="a14">
           <p:sp>
             <p:nvSpPr>
               <p:cNvPr id="7" name="CuadroTexto 6">
@@ -15221,7 +15220,7 @@
             </p:txBody>
           </p:sp>
         </mc:Choice>
-        <mc:Fallback>
+        <mc:Fallback xmlns="">
           <p:sp>
             <p:nvSpPr>
               <p:cNvPr id="7" name="CuadroTexto 6">
@@ -15387,8 +15386,8 @@
           </a:prstGeom>
         </p:spPr>
       </p:pic>
-      <mc:AlternateContent xmlns:mc="http://schemas.openxmlformats.org/markup-compatibility/2006">
-        <mc:Choice xmlns:a14="http://schemas.microsoft.com/office/drawing/2010/main" Requires="a14">
+      <mc:AlternateContent xmlns:mc="http://schemas.openxmlformats.org/markup-compatibility/2006" xmlns:a14="http://schemas.microsoft.com/office/drawing/2010/main">
+        <mc:Choice Requires="a14">
           <p:graphicFrame>
             <p:nvGraphicFramePr>
               <p:cNvPr id="8" name="Tabla 8">
@@ -16239,7 +16238,7 @@
             </a:graphic>
           </p:graphicFrame>
         </mc:Choice>
-        <mc:Fallback>
+        <mc:Fallback xmlns="">
           <p:graphicFrame>
             <p:nvGraphicFramePr>
               <p:cNvPr id="8" name="Tabla 8">
@@ -16894,8 +16893,8 @@
           </a:prstGeom>
         </p:spPr>
       </p:pic>
-      <mc:AlternateContent xmlns:mc="http://schemas.openxmlformats.org/markup-compatibility/2006">
-        <mc:Choice xmlns:a14="http://schemas.microsoft.com/office/drawing/2010/main" Requires="a14">
+      <mc:AlternateContent xmlns:mc="http://schemas.openxmlformats.org/markup-compatibility/2006" xmlns:a14="http://schemas.microsoft.com/office/drawing/2010/main">
+        <mc:Choice Requires="a14">
           <p:graphicFrame>
             <p:nvGraphicFramePr>
               <p:cNvPr id="8" name="Tabla 8">
@@ -17740,7 +17739,7 @@
             </a:graphic>
           </p:graphicFrame>
         </mc:Choice>
-        <mc:Fallback>
+        <mc:Fallback xmlns="">
           <p:graphicFrame>
             <p:nvGraphicFramePr>
               <p:cNvPr id="8" name="Tabla 8">
@@ -19381,23 +19380,17 @@
       </p:graphicFrame>
       <p:graphicFrame>
         <p:nvGraphicFramePr>
-          <p:cNvPr id="6" name="Gráfico 5">
+          <p:cNvPr id="4" name="Gráfico 3">
             <a:extLst>
               <a:ext uri="{FF2B5EF4-FFF2-40B4-BE49-F238E27FC236}">
-                <a16:creationId xmlns:a16="http://schemas.microsoft.com/office/drawing/2014/main" id="{FD7D629E-A345-7987-BC72-D58847D70776}"/>
+                <a16:creationId xmlns:a16="http://schemas.microsoft.com/office/drawing/2014/main" id="{1BF6EDE9-0F9E-F062-CC84-48FCA2D25B40}"/>
               </a:ext>
             </a:extLst>
           </p:cNvPr>
           <p:cNvGraphicFramePr>
             <a:graphicFrameLocks/>
           </p:cNvGraphicFramePr>
-          <p:nvPr>
-            <p:extLst>
-              <p:ext uri="{D42A27DB-BD31-4B8C-83A1-F6EECF244321}">
-                <p14:modId xmlns:p14="http://schemas.microsoft.com/office/powerpoint/2010/main" val="3092371097"/>
-              </p:ext>
-            </p:extLst>
-          </p:nvPr>
+          <p:nvPr/>
         </p:nvGraphicFramePr>
         <p:xfrm>
           <a:off x="5600700" y="1765148"/>
@@ -21030,10 +21023,343 @@
           </a:p>
         </p:txBody>
       </p:sp>
+      <mc:AlternateContent xmlns:mc="http://schemas.openxmlformats.org/markup-compatibility/2006" xmlns:a14="http://schemas.microsoft.com/office/drawing/2010/main">
+        <mc:Choice Requires="a14">
+          <p:sp>
+            <p:nvSpPr>
+              <p:cNvPr id="6" name="CuadroTexto 5">
+                <a:extLst>
+                  <a:ext uri="{FF2B5EF4-FFF2-40B4-BE49-F238E27FC236}">
+                    <a16:creationId xmlns:a16="http://schemas.microsoft.com/office/drawing/2014/main" id="{C1F422DA-18AD-52C8-CF76-60C0DF9B9272}"/>
+                  </a:ext>
+                </a:extLst>
+              </p:cNvPr>
+              <p:cNvSpPr txBox="1"/>
+              <p:nvPr/>
+            </p:nvSpPr>
+            <p:spPr>
+              <a:xfrm>
+                <a:off x="717410" y="4918621"/>
+                <a:ext cx="10636390" cy="461665"/>
+              </a:xfrm>
+              <a:prstGeom prst="rect">
+                <a:avLst/>
+              </a:prstGeom>
+              <a:noFill/>
+            </p:spPr>
+            <p:txBody>
+              <a:bodyPr wrap="square">
+                <a:spAutoFit/>
+              </a:bodyPr>
+              <a:lstStyle/>
+              <a:p>
+                <a:pPr/>
+                <a14:m>
+                  <m:oMathPara xmlns:m="http://schemas.openxmlformats.org/officeDocument/2006/math">
+                    <m:oMathParaPr>
+                      <m:jc m:val="centerGroup"/>
+                    </m:oMathParaPr>
+                    <m:oMath xmlns:m="http://schemas.openxmlformats.org/officeDocument/2006/math">
+                      <m:r>
+                        <a:rPr lang="es-ES" sz="2400" b="1" i="1" smtClean="0">
+                          <a:solidFill>
+                            <a:schemeClr val="tx1"/>
+                          </a:solidFill>
+                          <a:latin typeface="Cambria Math" panose="02040503050406030204" pitchFamily="18" charset="0"/>
+                        </a:rPr>
+                        <m:t>𝒀</m:t>
+                      </m:r>
+                      <m:r>
+                        <a:rPr lang="es-ES" sz="2400" b="1" i="1" smtClean="0">
+                          <a:solidFill>
+                            <a:schemeClr val="tx1"/>
+                          </a:solidFill>
+                          <a:latin typeface="Cambria Math" panose="02040503050406030204" pitchFamily="18" charset="0"/>
+                        </a:rPr>
+                        <m:t>=</m:t>
+                      </m:r>
+                      <m:sSub>
+                        <m:sSubPr>
+                          <m:ctrlPr>
+                            <a:rPr lang="es-ES" sz="2400" b="1" i="1" smtClean="0">
+                              <a:solidFill>
+                                <a:schemeClr val="tx1"/>
+                              </a:solidFill>
+                              <a:latin typeface="Cambria Math" panose="02040503050406030204" pitchFamily="18" charset="0"/>
+                            </a:rPr>
+                          </m:ctrlPr>
+                        </m:sSubPr>
+                        <m:e>
+                          <m:r>
+                            <a:rPr lang="es-ES" sz="2400" b="1" i="1" smtClean="0">
+                              <a:solidFill>
+                                <a:schemeClr val="tx1"/>
+                              </a:solidFill>
+                              <a:latin typeface="Cambria Math" panose="02040503050406030204" pitchFamily="18" charset="0"/>
+                            </a:rPr>
+                            <m:t>𝜷</m:t>
+                          </m:r>
+                        </m:e>
+                        <m:sub>
+                          <m:r>
+                            <a:rPr lang="es-ES" sz="2400" b="1" i="1" smtClean="0">
+                              <a:solidFill>
+                                <a:schemeClr val="tx1"/>
+                              </a:solidFill>
+                              <a:latin typeface="Cambria Math" panose="02040503050406030204" pitchFamily="18" charset="0"/>
+                            </a:rPr>
+                            <m:t>𝟏</m:t>
+                          </m:r>
+                        </m:sub>
+                      </m:sSub>
+                      <m:r>
+                        <a:rPr lang="es-ES" sz="2400" b="1" i="1" smtClean="0">
+                          <a:solidFill>
+                            <a:schemeClr val="tx1"/>
+                          </a:solidFill>
+                          <a:latin typeface="Cambria Math" panose="02040503050406030204" pitchFamily="18" charset="0"/>
+                        </a:rPr>
+                        <m:t>𝟏𝟎𝟎</m:t>
+                      </m:r>
+                      <m:r>
+                        <a:rPr lang="es-ES" sz="2400" b="1" i="1" smtClean="0">
+                          <a:solidFill>
+                            <a:schemeClr val="tx1"/>
+                          </a:solidFill>
+                          <a:latin typeface="Cambria Math" panose="02040503050406030204" pitchFamily="18" charset="0"/>
+                        </a:rPr>
+                        <m:t>+</m:t>
+                      </m:r>
+                      <m:sSub>
+                        <m:sSubPr>
+                          <m:ctrlPr>
+                            <a:rPr lang="es-ES" sz="2400" b="1" i="1" smtClean="0">
+                              <a:latin typeface="Cambria Math" panose="02040503050406030204" pitchFamily="18" charset="0"/>
+                            </a:rPr>
+                          </m:ctrlPr>
+                        </m:sSubPr>
+                        <m:e>
+                          <m:r>
+                            <a:rPr lang="es-ES" sz="2400" b="1" i="1">
+                              <a:latin typeface="Cambria Math" panose="02040503050406030204" pitchFamily="18" charset="0"/>
+                            </a:rPr>
+                            <m:t>𝜷</m:t>
+                          </m:r>
+                        </m:e>
+                        <m:sub>
+                          <m:r>
+                            <a:rPr lang="es-ES" sz="2400" b="1" i="1" smtClean="0">
+                              <a:latin typeface="Cambria Math" panose="02040503050406030204" pitchFamily="18" charset="0"/>
+                            </a:rPr>
+                            <m:t>𝟐</m:t>
+                          </m:r>
+                        </m:sub>
+                      </m:sSub>
+                      <m:r>
+                        <a:rPr lang="es-ES" sz="2400" b="1" i="1" smtClean="0">
+                          <a:latin typeface="Cambria Math" panose="02040503050406030204" pitchFamily="18" charset="0"/>
+                        </a:rPr>
+                        <m:t>𝑩𝒐𝒈𝒐𝒕𝒂</m:t>
+                      </m:r>
+                      <m:r>
+                        <a:rPr lang="es-ES" sz="2400" b="1" i="1" smtClean="0">
+                          <a:solidFill>
+                            <a:schemeClr val="tx1"/>
+                          </a:solidFill>
+                          <a:latin typeface="Cambria Math" panose="02040503050406030204" pitchFamily="18" charset="0"/>
+                        </a:rPr>
+                        <m:t>+</m:t>
+                      </m:r>
+                      <m:sSub>
+                        <m:sSubPr>
+                          <m:ctrlPr>
+                            <a:rPr lang="es-ES" sz="2400" b="1" i="1">
+                              <a:latin typeface="Cambria Math" panose="02040503050406030204" pitchFamily="18" charset="0"/>
+                            </a:rPr>
+                          </m:ctrlPr>
+                        </m:sSubPr>
+                        <m:e>
+                          <m:r>
+                            <a:rPr lang="es-ES" sz="2400" b="1" i="1">
+                              <a:latin typeface="Cambria Math" panose="02040503050406030204" pitchFamily="18" charset="0"/>
+                            </a:rPr>
+                            <m:t>𝜷</m:t>
+                          </m:r>
+                        </m:e>
+                        <m:sub>
+                          <m:r>
+                            <a:rPr lang="es-ES" sz="2400" b="1" i="1" smtClean="0">
+                              <a:latin typeface="Cambria Math" panose="02040503050406030204" pitchFamily="18" charset="0"/>
+                            </a:rPr>
+                            <m:t>𝟑</m:t>
+                          </m:r>
+                        </m:sub>
+                      </m:sSub>
+                      <m:r>
+                        <a:rPr lang="es-ES" sz="2400" b="1" i="1" smtClean="0">
+                          <a:latin typeface="Cambria Math" panose="02040503050406030204" pitchFamily="18" charset="0"/>
+                        </a:rPr>
+                        <m:t>𝒁𝒐𝒏𝒂𝑮</m:t>
+                      </m:r>
+                      <m:r>
+                        <a:rPr lang="es-ES" sz="2400" b="1" i="1" smtClean="0">
+                          <a:solidFill>
+                            <a:schemeClr val="tx1"/>
+                          </a:solidFill>
+                          <a:latin typeface="Cambria Math" panose="02040503050406030204" pitchFamily="18" charset="0"/>
+                        </a:rPr>
+                        <m:t>+</m:t>
+                      </m:r>
+                      <m:sSub>
+                        <m:sSubPr>
+                          <m:ctrlPr>
+                            <a:rPr lang="es-ES" sz="2400" b="1" i="1">
+                              <a:latin typeface="Cambria Math" panose="02040503050406030204" pitchFamily="18" charset="0"/>
+                            </a:rPr>
+                          </m:ctrlPr>
+                        </m:sSubPr>
+                        <m:e>
+                          <m:r>
+                            <a:rPr lang="es-ES" sz="2400" b="1" i="1">
+                              <a:latin typeface="Cambria Math" panose="02040503050406030204" pitchFamily="18" charset="0"/>
+                            </a:rPr>
+                            <m:t>𝜷</m:t>
+                          </m:r>
+                        </m:e>
+                        <m:sub>
+                          <m:r>
+                            <a:rPr lang="es-ES" sz="2400" b="1" i="1" smtClean="0">
+                              <a:latin typeface="Cambria Math" panose="02040503050406030204" pitchFamily="18" charset="0"/>
+                            </a:rPr>
+                            <m:t>𝟒</m:t>
+                          </m:r>
+                        </m:sub>
+                      </m:sSub>
+                      <m:r>
+                        <a:rPr lang="es-ES" sz="2400" b="1" i="1" smtClean="0">
+                          <a:latin typeface="Cambria Math" panose="02040503050406030204" pitchFamily="18" charset="0"/>
+                        </a:rPr>
+                        <m:t>𝟑</m:t>
+                      </m:r>
+                      <m:r>
+                        <a:rPr lang="es-ES" sz="2400" b="1" i="1" smtClean="0">
+                          <a:solidFill>
+                            <a:schemeClr val="tx1"/>
+                          </a:solidFill>
+                          <a:latin typeface="Cambria Math" panose="02040503050406030204" pitchFamily="18" charset="0"/>
+                        </a:rPr>
+                        <m:t>+</m:t>
+                      </m:r>
+                      <m:sSub>
+                        <m:sSubPr>
+                          <m:ctrlPr>
+                            <a:rPr lang="es-ES" sz="2400" b="1" i="1">
+                              <a:latin typeface="Cambria Math" panose="02040503050406030204" pitchFamily="18" charset="0"/>
+                            </a:rPr>
+                          </m:ctrlPr>
+                        </m:sSubPr>
+                        <m:e>
+                          <m:r>
+                            <a:rPr lang="es-ES" sz="2400" b="1" i="1">
+                              <a:latin typeface="Cambria Math" panose="02040503050406030204" pitchFamily="18" charset="0"/>
+                            </a:rPr>
+                            <m:t>𝜷</m:t>
+                          </m:r>
+                        </m:e>
+                        <m:sub>
+                          <m:r>
+                            <a:rPr lang="es-ES" sz="2400" b="1" i="1" smtClean="0">
+                              <a:latin typeface="Cambria Math" panose="02040503050406030204" pitchFamily="18" charset="0"/>
+                            </a:rPr>
+                            <m:t>𝟓</m:t>
+                          </m:r>
+                        </m:sub>
+                      </m:sSub>
+                      <m:r>
+                        <a:rPr lang="es-ES" sz="2400" b="1" i="1" smtClean="0">
+                          <a:latin typeface="Cambria Math" panose="02040503050406030204" pitchFamily="18" charset="0"/>
+                        </a:rPr>
+                        <m:t>𝟐</m:t>
+                      </m:r>
+                      <m:r>
+                        <a:rPr lang="es-ES" sz="2400" b="1" i="1" smtClean="0">
+                          <a:solidFill>
+                            <a:schemeClr val="tx1"/>
+                          </a:solidFill>
+                          <a:latin typeface="Cambria Math" panose="02040503050406030204" pitchFamily="18" charset="0"/>
+                        </a:rPr>
+                        <m:t>+</m:t>
+                      </m:r>
+                      <m:r>
+                        <a:rPr lang="es-ES" sz="2400" b="1" i="1" smtClean="0">
+                          <a:solidFill>
+                            <a:schemeClr val="tx1"/>
+                          </a:solidFill>
+                          <a:latin typeface="Cambria Math" panose="02040503050406030204" pitchFamily="18" charset="0"/>
+                        </a:rPr>
+                        <m:t>𝜺</m:t>
+                      </m:r>
+                    </m:oMath>
+                  </m:oMathPara>
+                </a14:m>
+                <a:endParaRPr lang="es-CO" sz="2400" b="1" dirty="0">
+                  <a:solidFill>
+                    <a:schemeClr val="bg1"/>
+                  </a:solidFill>
+                </a:endParaRPr>
+              </a:p>
+            </p:txBody>
+          </p:sp>
+        </mc:Choice>
+        <mc:Fallback xmlns="">
+          <p:sp>
+            <p:nvSpPr>
+              <p:cNvPr id="6" name="CuadroTexto 5">
+                <a:extLst>
+                  <a:ext uri="{FF2B5EF4-FFF2-40B4-BE49-F238E27FC236}">
+                    <a16:creationId xmlns:a16="http://schemas.microsoft.com/office/drawing/2014/main" id="{C1F422DA-18AD-52C8-CF76-60C0DF9B9272}"/>
+                  </a:ext>
+                </a:extLst>
+              </p:cNvPr>
+              <p:cNvSpPr txBox="1">
+                <a:spLocks noRot="1" noChangeAspect="1" noMove="1" noResize="1" noEditPoints="1" noAdjustHandles="1" noChangeArrowheads="1" noChangeShapeType="1" noTextEdit="1"/>
+              </p:cNvSpPr>
+              <p:nvPr/>
+            </p:nvSpPr>
+            <p:spPr>
+              <a:xfrm>
+                <a:off x="717410" y="4918621"/>
+                <a:ext cx="10636390" cy="461665"/>
+              </a:xfrm>
+              <a:prstGeom prst="rect">
+                <a:avLst/>
+              </a:prstGeom>
+              <a:blipFill>
+                <a:blip r:embed="rId5"/>
+                <a:stretch>
+                  <a:fillRect b="-17105"/>
+                </a:stretch>
+              </a:blipFill>
+            </p:spPr>
+            <p:txBody>
+              <a:bodyPr/>
+              <a:lstStyle/>
+              <a:p>
+                <a:r>
+                  <a:rPr lang="es-CO">
+                    <a:noFill/>
+                  </a:rPr>
+                  <a:t> </a:t>
+                </a:r>
+              </a:p>
+            </p:txBody>
+          </p:sp>
+        </mc:Fallback>
+      </mc:AlternateContent>
     </p:spTree>
     <p:extLst>
       <p:ext uri="{BB962C8B-B14F-4D97-AF65-F5344CB8AC3E}">
-        <p14:creationId xmlns:p14="http://schemas.microsoft.com/office/powerpoint/2010/main" val="3305697876"/>
+        <p14:creationId xmlns:p14="http://schemas.microsoft.com/office/powerpoint/2010/main" val="1828170477"/>
       </p:ext>
     </p:extLst>
   </p:cSld>
@@ -21430,741 +21756,8 @@
           </a:p>
         </p:txBody>
       </p:sp>
-      <mc:AlternateContent xmlns:mc="http://schemas.openxmlformats.org/markup-compatibility/2006">
-        <mc:Choice xmlns:a14="http://schemas.microsoft.com/office/drawing/2010/main" Requires="a14">
-          <p:sp>
-            <p:nvSpPr>
-              <p:cNvPr id="6" name="CuadroTexto 5">
-                <a:extLst>
-                  <a:ext uri="{FF2B5EF4-FFF2-40B4-BE49-F238E27FC236}">
-                    <a16:creationId xmlns:a16="http://schemas.microsoft.com/office/drawing/2014/main" id="{C1F422DA-18AD-52C8-CF76-60C0DF9B9272}"/>
-                  </a:ext>
-                </a:extLst>
-              </p:cNvPr>
-              <p:cNvSpPr txBox="1"/>
-              <p:nvPr/>
-            </p:nvSpPr>
-            <p:spPr>
-              <a:xfrm>
-                <a:off x="717410" y="4918621"/>
-                <a:ext cx="10636390" cy="461665"/>
-              </a:xfrm>
-              <a:prstGeom prst="rect">
-                <a:avLst/>
-              </a:prstGeom>
-              <a:noFill/>
-            </p:spPr>
-            <p:txBody>
-              <a:bodyPr wrap="square">
-                <a:spAutoFit/>
-              </a:bodyPr>
-              <a:lstStyle/>
-              <a:p>
-                <a:pPr/>
-                <a14:m>
-                  <m:oMathPara xmlns:m="http://schemas.openxmlformats.org/officeDocument/2006/math">
-                    <m:oMathParaPr>
-                      <m:jc m:val="centerGroup"/>
-                    </m:oMathParaPr>
-                    <m:oMath xmlns:m="http://schemas.openxmlformats.org/officeDocument/2006/math">
-                      <m:r>
-                        <a:rPr lang="es-ES" sz="2400" b="1" i="1" smtClean="0">
-                          <a:solidFill>
-                            <a:schemeClr val="tx1"/>
-                          </a:solidFill>
-                          <a:latin typeface="Cambria Math" panose="02040503050406030204" pitchFamily="18" charset="0"/>
-                        </a:rPr>
-                        <m:t>𝒀</m:t>
-                      </m:r>
-                      <m:r>
-                        <a:rPr lang="es-ES" sz="2400" b="1" i="1" smtClean="0">
-                          <a:solidFill>
-                            <a:schemeClr val="tx1"/>
-                          </a:solidFill>
-                          <a:latin typeface="Cambria Math" panose="02040503050406030204" pitchFamily="18" charset="0"/>
-                        </a:rPr>
-                        <m:t>=</m:t>
-                      </m:r>
-                      <m:sSub>
-                        <m:sSubPr>
-                          <m:ctrlPr>
-                            <a:rPr lang="es-ES" sz="2400" b="1" i="1" smtClean="0">
-                              <a:solidFill>
-                                <a:schemeClr val="tx1"/>
-                              </a:solidFill>
-                              <a:latin typeface="Cambria Math" panose="02040503050406030204" pitchFamily="18" charset="0"/>
-                            </a:rPr>
-                          </m:ctrlPr>
-                        </m:sSubPr>
-                        <m:e>
-                          <m:r>
-                            <a:rPr lang="es-ES" sz="2400" b="1" i="1" smtClean="0">
-                              <a:solidFill>
-                                <a:schemeClr val="tx1"/>
-                              </a:solidFill>
-                              <a:latin typeface="Cambria Math" panose="02040503050406030204" pitchFamily="18" charset="0"/>
-                            </a:rPr>
-                            <m:t>𝜷</m:t>
-                          </m:r>
-                        </m:e>
-                        <m:sub>
-                          <m:r>
-                            <a:rPr lang="es-ES" sz="2400" b="1" i="1" smtClean="0">
-                              <a:solidFill>
-                                <a:schemeClr val="tx1"/>
-                              </a:solidFill>
-                              <a:latin typeface="Cambria Math" panose="02040503050406030204" pitchFamily="18" charset="0"/>
-                            </a:rPr>
-                            <m:t>𝟏</m:t>
-                          </m:r>
-                        </m:sub>
-                      </m:sSub>
-                      <m:r>
-                        <a:rPr lang="es-ES" sz="2400" b="1" i="1" smtClean="0">
-                          <a:solidFill>
-                            <a:schemeClr val="tx1"/>
-                          </a:solidFill>
-                          <a:latin typeface="Cambria Math" panose="02040503050406030204" pitchFamily="18" charset="0"/>
-                        </a:rPr>
-                        <m:t>𝟏𝟎𝟎</m:t>
-                      </m:r>
-                      <m:r>
-                        <a:rPr lang="es-ES" sz="2400" b="1" i="1" smtClean="0">
-                          <a:solidFill>
-                            <a:schemeClr val="tx1"/>
-                          </a:solidFill>
-                          <a:latin typeface="Cambria Math" panose="02040503050406030204" pitchFamily="18" charset="0"/>
-                        </a:rPr>
-                        <m:t>+</m:t>
-                      </m:r>
-                      <m:sSub>
-                        <m:sSubPr>
-                          <m:ctrlPr>
-                            <a:rPr lang="es-ES" sz="2400" b="1" i="1" smtClean="0">
-                              <a:latin typeface="Cambria Math" panose="02040503050406030204" pitchFamily="18" charset="0"/>
-                            </a:rPr>
-                          </m:ctrlPr>
-                        </m:sSubPr>
-                        <m:e>
-                          <m:r>
-                            <a:rPr lang="es-ES" sz="2400" b="1" i="1">
-                              <a:latin typeface="Cambria Math" panose="02040503050406030204" pitchFamily="18" charset="0"/>
-                            </a:rPr>
-                            <m:t>𝜷</m:t>
-                          </m:r>
-                        </m:e>
-                        <m:sub>
-                          <m:r>
-                            <a:rPr lang="es-ES" sz="2400" b="1" i="1" smtClean="0">
-                              <a:latin typeface="Cambria Math" panose="02040503050406030204" pitchFamily="18" charset="0"/>
-                            </a:rPr>
-                            <m:t>𝟐</m:t>
-                          </m:r>
-                        </m:sub>
-                      </m:sSub>
-                      <m:r>
-                        <a:rPr lang="es-ES" sz="2400" b="1" i="1" smtClean="0">
-                          <a:latin typeface="Cambria Math" panose="02040503050406030204" pitchFamily="18" charset="0"/>
-                        </a:rPr>
-                        <m:t>𝑩𝒐𝒈𝒐𝒕𝒂</m:t>
-                      </m:r>
-                      <m:r>
-                        <a:rPr lang="es-ES" sz="2400" b="1" i="1" smtClean="0">
-                          <a:solidFill>
-                            <a:schemeClr val="tx1"/>
-                          </a:solidFill>
-                          <a:latin typeface="Cambria Math" panose="02040503050406030204" pitchFamily="18" charset="0"/>
-                        </a:rPr>
-                        <m:t>+</m:t>
-                      </m:r>
-                      <m:sSub>
-                        <m:sSubPr>
-                          <m:ctrlPr>
-                            <a:rPr lang="es-ES" sz="2400" b="1" i="1">
-                              <a:latin typeface="Cambria Math" panose="02040503050406030204" pitchFamily="18" charset="0"/>
-                            </a:rPr>
-                          </m:ctrlPr>
-                        </m:sSubPr>
-                        <m:e>
-                          <m:r>
-                            <a:rPr lang="es-ES" sz="2400" b="1" i="1">
-                              <a:latin typeface="Cambria Math" panose="02040503050406030204" pitchFamily="18" charset="0"/>
-                            </a:rPr>
-                            <m:t>𝜷</m:t>
-                          </m:r>
-                        </m:e>
-                        <m:sub>
-                          <m:r>
-                            <a:rPr lang="es-ES" sz="2400" b="1" i="1" smtClean="0">
-                              <a:latin typeface="Cambria Math" panose="02040503050406030204" pitchFamily="18" charset="0"/>
-                            </a:rPr>
-                            <m:t>𝟑</m:t>
-                          </m:r>
-                        </m:sub>
-                      </m:sSub>
-                      <m:r>
-                        <a:rPr lang="es-ES" sz="2400" b="1" i="1" smtClean="0">
-                          <a:latin typeface="Cambria Math" panose="02040503050406030204" pitchFamily="18" charset="0"/>
-                        </a:rPr>
-                        <m:t>𝒁𝒐𝒏𝒂𝑮</m:t>
-                      </m:r>
-                      <m:r>
-                        <a:rPr lang="es-ES" sz="2400" b="1" i="1" smtClean="0">
-                          <a:solidFill>
-                            <a:schemeClr val="tx1"/>
-                          </a:solidFill>
-                          <a:latin typeface="Cambria Math" panose="02040503050406030204" pitchFamily="18" charset="0"/>
-                        </a:rPr>
-                        <m:t>+</m:t>
-                      </m:r>
-                      <m:sSub>
-                        <m:sSubPr>
-                          <m:ctrlPr>
-                            <a:rPr lang="es-ES" sz="2400" b="1" i="1">
-                              <a:latin typeface="Cambria Math" panose="02040503050406030204" pitchFamily="18" charset="0"/>
-                            </a:rPr>
-                          </m:ctrlPr>
-                        </m:sSubPr>
-                        <m:e>
-                          <m:r>
-                            <a:rPr lang="es-ES" sz="2400" b="1" i="1">
-                              <a:latin typeface="Cambria Math" panose="02040503050406030204" pitchFamily="18" charset="0"/>
-                            </a:rPr>
-                            <m:t>𝜷</m:t>
-                          </m:r>
-                        </m:e>
-                        <m:sub>
-                          <m:r>
-                            <a:rPr lang="es-ES" sz="2400" b="1" i="1" smtClean="0">
-                              <a:latin typeface="Cambria Math" panose="02040503050406030204" pitchFamily="18" charset="0"/>
-                            </a:rPr>
-                            <m:t>𝟒</m:t>
-                          </m:r>
-                        </m:sub>
-                      </m:sSub>
-                      <m:r>
-                        <a:rPr lang="es-ES" sz="2400" b="1" i="1" smtClean="0">
-                          <a:latin typeface="Cambria Math" panose="02040503050406030204" pitchFamily="18" charset="0"/>
-                        </a:rPr>
-                        <m:t>𝟑</m:t>
-                      </m:r>
-                      <m:r>
-                        <a:rPr lang="es-ES" sz="2400" b="1" i="1" smtClean="0">
-                          <a:solidFill>
-                            <a:schemeClr val="tx1"/>
-                          </a:solidFill>
-                          <a:latin typeface="Cambria Math" panose="02040503050406030204" pitchFamily="18" charset="0"/>
-                        </a:rPr>
-                        <m:t>+</m:t>
-                      </m:r>
-                      <m:sSub>
-                        <m:sSubPr>
-                          <m:ctrlPr>
-                            <a:rPr lang="es-ES" sz="2400" b="1" i="1">
-                              <a:latin typeface="Cambria Math" panose="02040503050406030204" pitchFamily="18" charset="0"/>
-                            </a:rPr>
-                          </m:ctrlPr>
-                        </m:sSubPr>
-                        <m:e>
-                          <m:r>
-                            <a:rPr lang="es-ES" sz="2400" b="1" i="1">
-                              <a:latin typeface="Cambria Math" panose="02040503050406030204" pitchFamily="18" charset="0"/>
-                            </a:rPr>
-                            <m:t>𝜷</m:t>
-                          </m:r>
-                        </m:e>
-                        <m:sub>
-                          <m:r>
-                            <a:rPr lang="es-ES" sz="2400" b="1" i="1" smtClean="0">
-                              <a:latin typeface="Cambria Math" panose="02040503050406030204" pitchFamily="18" charset="0"/>
-                            </a:rPr>
-                            <m:t>𝟓</m:t>
-                          </m:r>
-                        </m:sub>
-                      </m:sSub>
-                      <m:r>
-                        <a:rPr lang="es-ES" sz="2400" b="1" i="1" smtClean="0">
-                          <a:latin typeface="Cambria Math" panose="02040503050406030204" pitchFamily="18" charset="0"/>
-                        </a:rPr>
-                        <m:t>𝟐</m:t>
-                      </m:r>
-                      <m:r>
-                        <a:rPr lang="es-ES" sz="2400" b="1" i="1" smtClean="0">
-                          <a:solidFill>
-                            <a:schemeClr val="tx1"/>
-                          </a:solidFill>
-                          <a:latin typeface="Cambria Math" panose="02040503050406030204" pitchFamily="18" charset="0"/>
-                        </a:rPr>
-                        <m:t>+</m:t>
-                      </m:r>
-                      <m:r>
-                        <a:rPr lang="es-ES" sz="2400" b="1" i="1" smtClean="0">
-                          <a:solidFill>
-                            <a:schemeClr val="tx1"/>
-                          </a:solidFill>
-                          <a:latin typeface="Cambria Math" panose="02040503050406030204" pitchFamily="18" charset="0"/>
-                        </a:rPr>
-                        <m:t>𝜺</m:t>
-                      </m:r>
-                    </m:oMath>
-                  </m:oMathPara>
-                </a14:m>
-                <a:endParaRPr lang="es-CO" sz="2400" b="1" dirty="0">
-                  <a:solidFill>
-                    <a:schemeClr val="bg1"/>
-                  </a:solidFill>
-                </a:endParaRPr>
-              </a:p>
-            </p:txBody>
-          </p:sp>
-        </mc:Choice>
-        <mc:Fallback>
-          <p:sp>
-            <p:nvSpPr>
-              <p:cNvPr id="6" name="CuadroTexto 5">
-                <a:extLst>
-                  <a:ext uri="{FF2B5EF4-FFF2-40B4-BE49-F238E27FC236}">
-                    <a16:creationId xmlns:a16="http://schemas.microsoft.com/office/drawing/2014/main" id="{C1F422DA-18AD-52C8-CF76-60C0DF9B9272}"/>
-                  </a:ext>
-                </a:extLst>
-              </p:cNvPr>
-              <p:cNvSpPr txBox="1">
-                <a:spLocks noRot="1" noChangeAspect="1" noMove="1" noResize="1" noEditPoints="1" noAdjustHandles="1" noChangeArrowheads="1" noChangeShapeType="1" noTextEdit="1"/>
-              </p:cNvSpPr>
-              <p:nvPr/>
-            </p:nvSpPr>
-            <p:spPr>
-              <a:xfrm>
-                <a:off x="717410" y="4918621"/>
-                <a:ext cx="10636390" cy="461665"/>
-              </a:xfrm>
-              <a:prstGeom prst="rect">
-                <a:avLst/>
-              </a:prstGeom>
-              <a:blipFill>
-                <a:blip r:embed="rId5"/>
-                <a:stretch>
-                  <a:fillRect b="-17105"/>
-                </a:stretch>
-              </a:blipFill>
-            </p:spPr>
-            <p:txBody>
-              <a:bodyPr/>
-              <a:lstStyle/>
-              <a:p>
-                <a:r>
-                  <a:rPr lang="es-CO">
-                    <a:noFill/>
-                  </a:rPr>
-                  <a:t> </a:t>
-                </a:r>
-              </a:p>
-            </p:txBody>
-          </p:sp>
-        </mc:Fallback>
-      </mc:AlternateContent>
-    </p:spTree>
-    <p:extLst>
-      <p:ext uri="{BB962C8B-B14F-4D97-AF65-F5344CB8AC3E}">
-        <p14:creationId xmlns:p14="http://schemas.microsoft.com/office/powerpoint/2010/main" val="1828170477"/>
-      </p:ext>
-    </p:extLst>
-  </p:cSld>
-  <p:clrMapOvr>
-    <a:masterClrMapping/>
-  </p:clrMapOvr>
-</p:sld>
-</file>
-
-<file path=ppt/slides/slide23.xml><?xml version="1.0" encoding="utf-8"?>
-<p:sld xmlns:a="http://schemas.openxmlformats.org/drawingml/2006/main" xmlns:r="http://schemas.openxmlformats.org/officeDocument/2006/relationships" xmlns:p="http://schemas.openxmlformats.org/presentationml/2006/main">
-  <p:cSld>
-    <p:bg>
-      <p:bgPr>
-        <a:blipFill dpi="0" rotWithShape="1">
-          <a:blip r:embed="rId3">
-            <a:lum/>
-          </a:blip>
-          <a:srcRect/>
-          <a:stretch>
-            <a:fillRect/>
-          </a:stretch>
-        </a:blipFill>
-        <a:effectLst/>
-      </p:bgPr>
-    </p:bg>
-    <p:spTree>
-      <p:nvGrpSpPr>
-        <p:cNvPr id="1" name=""/>
-        <p:cNvGrpSpPr/>
-        <p:nvPr/>
-      </p:nvGrpSpPr>
-      <p:grpSpPr>
-        <a:xfrm>
-          <a:off x="0" y="0"/>
-          <a:ext cx="0" cy="0"/>
-          <a:chOff x="0" y="0"/>
-          <a:chExt cx="0" cy="0"/>
-        </a:xfrm>
-      </p:grpSpPr>
-      <p:sp>
-        <p:nvSpPr>
-          <p:cNvPr id="3" name="CuadroTexto 2">
-            <a:extLst>
-              <a:ext uri="{FF2B5EF4-FFF2-40B4-BE49-F238E27FC236}">
-                <a16:creationId xmlns:a16="http://schemas.microsoft.com/office/drawing/2014/main" id="{288305FE-915F-971B-06C8-2F46C9F924D7}"/>
-              </a:ext>
-            </a:extLst>
-          </p:cNvPr>
-          <p:cNvSpPr txBox="1"/>
-          <p:nvPr/>
-        </p:nvSpPr>
-        <p:spPr>
-          <a:xfrm>
-            <a:off x="2368816" y="336350"/>
-            <a:ext cx="9509240" cy="707886"/>
-          </a:xfrm>
-          <a:prstGeom prst="rect">
-            <a:avLst/>
-          </a:prstGeom>
-          <a:noFill/>
-        </p:spPr>
-        <p:txBody>
-          <a:bodyPr wrap="square" lIns="91440" tIns="45720" rIns="91440" bIns="45720" rtlCol="0" anchor="t">
-            <a:spAutoFit/>
-          </a:bodyPr>
-          <a:lstStyle/>
-          <a:p>
-            <a:pPr algn="ctr">
-              <a:defRPr/>
-            </a:pPr>
-            <a:r>
-              <a:rPr lang="es-ES" sz="4000" dirty="0">
-                <a:latin typeface="Lato" panose="020F0502020204030203" pitchFamily="34" charset="0"/>
-                <a:ea typeface="Lato" panose="020F0502020204030203" pitchFamily="34" charset="0"/>
-                <a:cs typeface="Lato" panose="020F0502020204030203" pitchFamily="34" charset="0"/>
-              </a:rPr>
-              <a:t>Tipos de variables</a:t>
-            </a:r>
-            <a:endParaRPr lang="es-CO" sz="4000" dirty="0">
-              <a:latin typeface="Lato" panose="020F0502020204030203" pitchFamily="34" charset="0"/>
-              <a:ea typeface="Lato" panose="020F0502020204030203" pitchFamily="34" charset="0"/>
-              <a:cs typeface="Lato" panose="020F0502020204030203" pitchFamily="34" charset="0"/>
-            </a:endParaRPr>
-          </a:p>
-        </p:txBody>
-      </p:sp>
-      <p:pic>
-        <p:nvPicPr>
-          <p:cNvPr id="4" name="Imagen 3">
-            <a:extLst>
-              <a:ext uri="{FF2B5EF4-FFF2-40B4-BE49-F238E27FC236}">
-                <a16:creationId xmlns:a16="http://schemas.microsoft.com/office/drawing/2014/main" id="{05605129-FD41-3459-0CFE-1BC3DF04AA9D}"/>
-              </a:ext>
-            </a:extLst>
-          </p:cNvPr>
-          <p:cNvPicPr>
-            <a:picLocks noChangeAspect="1"/>
-          </p:cNvPicPr>
-          <p:nvPr/>
-        </p:nvPicPr>
-        <p:blipFill>
-          <a:blip r:embed="rId4"/>
-          <a:stretch>
-            <a:fillRect/>
-          </a:stretch>
-        </p:blipFill>
-        <p:spPr>
-          <a:xfrm>
-            <a:off x="717410" y="2553129"/>
-            <a:ext cx="10757179" cy="1751742"/>
-          </a:xfrm>
-          <a:prstGeom prst="rect">
-            <a:avLst/>
-          </a:prstGeom>
-        </p:spPr>
-      </p:pic>
-      <p:sp>
-        <p:nvSpPr>
-          <p:cNvPr id="7" name="Rectángulo 6">
-            <a:extLst>
-              <a:ext uri="{FF2B5EF4-FFF2-40B4-BE49-F238E27FC236}">
-                <a16:creationId xmlns:a16="http://schemas.microsoft.com/office/drawing/2014/main" id="{33EBC55B-C9E2-FC62-19E4-FD2D796E6232}"/>
-              </a:ext>
-            </a:extLst>
-          </p:cNvPr>
-          <p:cNvSpPr/>
-          <p:nvPr/>
-        </p:nvSpPr>
-        <p:spPr>
-          <a:xfrm>
-            <a:off x="717410" y="2553129"/>
-            <a:ext cx="3559315" cy="1751742"/>
-          </a:xfrm>
-          <a:prstGeom prst="rect">
-            <a:avLst/>
-          </a:prstGeom>
-          <a:noFill/>
-          <a:ln w="28575">
-            <a:solidFill>
-              <a:schemeClr val="accent6"/>
-            </a:solidFill>
-            <a:prstDash val="dash"/>
-          </a:ln>
-        </p:spPr>
-        <p:style>
-          <a:lnRef idx="2">
-            <a:schemeClr val="accent1">
-              <a:shade val="50000"/>
-            </a:schemeClr>
-          </a:lnRef>
-          <a:fillRef idx="1">
-            <a:schemeClr val="accent1"/>
-          </a:fillRef>
-          <a:effectRef idx="0">
-            <a:schemeClr val="accent1"/>
-          </a:effectRef>
-          <a:fontRef idx="minor">
-            <a:schemeClr val="lt1"/>
-          </a:fontRef>
-        </p:style>
-        <p:txBody>
-          <a:bodyPr rtlCol="0" anchor="ctr"/>
-          <a:lstStyle/>
-          <a:p>
-            <a:pPr algn="ctr"/>
-            <a:endParaRPr lang="es-CO"/>
-          </a:p>
-        </p:txBody>
-      </p:sp>
-      <p:sp>
-        <p:nvSpPr>
-          <p:cNvPr id="8" name="Rectángulo 7">
-            <a:extLst>
-              <a:ext uri="{FF2B5EF4-FFF2-40B4-BE49-F238E27FC236}">
-                <a16:creationId xmlns:a16="http://schemas.microsoft.com/office/drawing/2014/main" id="{49288C71-E31F-4CD4-E999-7444166C847E}"/>
-              </a:ext>
-            </a:extLst>
-          </p:cNvPr>
-          <p:cNvSpPr/>
-          <p:nvPr/>
-        </p:nvSpPr>
-        <p:spPr>
-          <a:xfrm>
-            <a:off x="7915274" y="2543175"/>
-            <a:ext cx="3559315" cy="1751742"/>
-          </a:xfrm>
-          <a:prstGeom prst="rect">
-            <a:avLst/>
-          </a:prstGeom>
-          <a:noFill/>
-          <a:ln w="28575">
-            <a:solidFill>
-              <a:schemeClr val="accent6"/>
-            </a:solidFill>
-            <a:prstDash val="dash"/>
-          </a:ln>
-        </p:spPr>
-        <p:style>
-          <a:lnRef idx="2">
-            <a:schemeClr val="accent1">
-              <a:shade val="50000"/>
-            </a:schemeClr>
-          </a:lnRef>
-          <a:fillRef idx="1">
-            <a:schemeClr val="accent1"/>
-          </a:fillRef>
-          <a:effectRef idx="0">
-            <a:schemeClr val="accent1"/>
-          </a:effectRef>
-          <a:fontRef idx="minor">
-            <a:schemeClr val="lt1"/>
-          </a:fontRef>
-        </p:style>
-        <p:txBody>
-          <a:bodyPr rtlCol="0" anchor="ctr"/>
-          <a:lstStyle/>
-          <a:p>
-            <a:pPr algn="ctr"/>
-            <a:endParaRPr lang="es-CO"/>
-          </a:p>
-        </p:txBody>
-      </p:sp>
-      <p:sp>
-        <p:nvSpPr>
-          <p:cNvPr id="9" name="CuadroTexto 8">
-            <a:extLst>
-              <a:ext uri="{FF2B5EF4-FFF2-40B4-BE49-F238E27FC236}">
-                <a16:creationId xmlns:a16="http://schemas.microsoft.com/office/drawing/2014/main" id="{9229969E-0375-B927-7E3C-4BFA63662F3C}"/>
-              </a:ext>
-            </a:extLst>
-          </p:cNvPr>
-          <p:cNvSpPr txBox="1"/>
-          <p:nvPr/>
-        </p:nvSpPr>
-        <p:spPr>
-          <a:xfrm>
-            <a:off x="895349" y="2080956"/>
-            <a:ext cx="6067425" cy="369332"/>
-          </a:xfrm>
-          <a:prstGeom prst="rect">
-            <a:avLst/>
-          </a:prstGeom>
-          <a:noFill/>
-        </p:spPr>
-        <p:txBody>
-          <a:bodyPr wrap="square">
-            <a:spAutoFit/>
-          </a:bodyPr>
-          <a:lstStyle/>
-          <a:p>
-            <a:r>
-              <a:rPr lang="es-ES" sz="1800" dirty="0">
-                <a:latin typeface="Lato" panose="020F0502020204030203" pitchFamily="34" charset="0"/>
-                <a:ea typeface="Lato" panose="020F0502020204030203" pitchFamily="34" charset="0"/>
-                <a:cs typeface="Lato" panose="020F0502020204030203" pitchFamily="34" charset="0"/>
-              </a:rPr>
-              <a:t>Numéricas</a:t>
-            </a:r>
-            <a:endParaRPr lang="es-CO" dirty="0"/>
-          </a:p>
-        </p:txBody>
-      </p:sp>
-      <p:sp>
-        <p:nvSpPr>
-          <p:cNvPr id="10" name="CuadroTexto 9">
-            <a:extLst>
-              <a:ext uri="{FF2B5EF4-FFF2-40B4-BE49-F238E27FC236}">
-                <a16:creationId xmlns:a16="http://schemas.microsoft.com/office/drawing/2014/main" id="{A821723B-6694-AB8D-29BD-AED4F3368F88}"/>
-              </a:ext>
-            </a:extLst>
-          </p:cNvPr>
-          <p:cNvSpPr txBox="1"/>
-          <p:nvPr/>
-        </p:nvSpPr>
-        <p:spPr>
-          <a:xfrm>
-            <a:off x="7915274" y="4397758"/>
-            <a:ext cx="3559316" cy="369332"/>
-          </a:xfrm>
-          <a:prstGeom prst="rect">
-            <a:avLst/>
-          </a:prstGeom>
-          <a:noFill/>
-        </p:spPr>
-        <p:txBody>
-          <a:bodyPr wrap="square">
-            <a:spAutoFit/>
-          </a:bodyPr>
-          <a:lstStyle/>
-          <a:p>
-            <a:r>
-              <a:rPr lang="es-ES" sz="1800" dirty="0">
-                <a:latin typeface="Lato" panose="020F0502020204030203" pitchFamily="34" charset="0"/>
-                <a:ea typeface="Lato" panose="020F0502020204030203" pitchFamily="34" charset="0"/>
-                <a:cs typeface="Lato" panose="020F0502020204030203" pitchFamily="34" charset="0"/>
-              </a:rPr>
-              <a:t>Numéricas</a:t>
-            </a:r>
-            <a:endParaRPr lang="es-CO" dirty="0"/>
-          </a:p>
-        </p:txBody>
-      </p:sp>
-      <p:sp>
-        <p:nvSpPr>
-          <p:cNvPr id="2" name="Rectángulo 1">
-            <a:extLst>
-              <a:ext uri="{FF2B5EF4-FFF2-40B4-BE49-F238E27FC236}">
-                <a16:creationId xmlns:a16="http://schemas.microsoft.com/office/drawing/2014/main" id="{0415E9BE-F27E-0F14-4F33-238B0BADBEBC}"/>
-              </a:ext>
-            </a:extLst>
-          </p:cNvPr>
-          <p:cNvSpPr/>
-          <p:nvPr/>
-        </p:nvSpPr>
-        <p:spPr>
-          <a:xfrm>
-            <a:off x="4276725" y="2553129"/>
-            <a:ext cx="3559315" cy="1751742"/>
-          </a:xfrm>
-          <a:prstGeom prst="rect">
-            <a:avLst/>
-          </a:prstGeom>
-          <a:noFill/>
-          <a:ln w="28575">
-            <a:solidFill>
-              <a:srgbClr val="002060"/>
-            </a:solidFill>
-            <a:prstDash val="dash"/>
-          </a:ln>
-        </p:spPr>
-        <p:style>
-          <a:lnRef idx="2">
-            <a:schemeClr val="accent1">
-              <a:shade val="50000"/>
-            </a:schemeClr>
-          </a:lnRef>
-          <a:fillRef idx="1">
-            <a:schemeClr val="accent1"/>
-          </a:fillRef>
-          <a:effectRef idx="0">
-            <a:schemeClr val="accent1"/>
-          </a:effectRef>
-          <a:fontRef idx="minor">
-            <a:schemeClr val="lt1"/>
-          </a:fontRef>
-        </p:style>
-        <p:txBody>
-          <a:bodyPr rtlCol="0" anchor="ctr"/>
-          <a:lstStyle/>
-          <a:p>
-            <a:pPr algn="ctr"/>
-            <a:endParaRPr lang="es-CO"/>
-          </a:p>
-        </p:txBody>
-      </p:sp>
-      <p:sp>
-        <p:nvSpPr>
-          <p:cNvPr id="5" name="CuadroTexto 4">
-            <a:extLst>
-              <a:ext uri="{FF2B5EF4-FFF2-40B4-BE49-F238E27FC236}">
-                <a16:creationId xmlns:a16="http://schemas.microsoft.com/office/drawing/2014/main" id="{D4A29E61-A5F8-0741-3CC4-A2642464CE8E}"/>
-              </a:ext>
-            </a:extLst>
-          </p:cNvPr>
-          <p:cNvSpPr txBox="1"/>
-          <p:nvPr/>
-        </p:nvSpPr>
-        <p:spPr>
-          <a:xfrm>
-            <a:off x="4276725" y="4395908"/>
-            <a:ext cx="3559315" cy="369332"/>
-          </a:xfrm>
-          <a:prstGeom prst="rect">
-            <a:avLst/>
-          </a:prstGeom>
-          <a:noFill/>
-        </p:spPr>
-        <p:txBody>
-          <a:bodyPr wrap="square">
-            <a:spAutoFit/>
-          </a:bodyPr>
-          <a:lstStyle/>
-          <a:p>
-            <a:r>
-              <a:rPr lang="es-ES" sz="1800" dirty="0">
-                <a:latin typeface="Lato" panose="020F0502020204030203" pitchFamily="34" charset="0"/>
-                <a:ea typeface="Lato" panose="020F0502020204030203" pitchFamily="34" charset="0"/>
-                <a:cs typeface="Lato" panose="020F0502020204030203" pitchFamily="34" charset="0"/>
-              </a:rPr>
-              <a:t>Categóricas</a:t>
-            </a:r>
-            <a:endParaRPr lang="es-CO" dirty="0"/>
-          </a:p>
-        </p:txBody>
-      </p:sp>
-      <mc:AlternateContent xmlns:mc="http://schemas.openxmlformats.org/markup-compatibility/2006">
-        <mc:Choice xmlns:a14="http://schemas.microsoft.com/office/drawing/2010/main" Requires="a14">
+      <mc:AlternateContent xmlns:mc="http://schemas.openxmlformats.org/markup-compatibility/2006" xmlns:a14="http://schemas.microsoft.com/office/drawing/2010/main">
+        <mc:Choice Requires="a14">
           <p:sp>
             <p:nvSpPr>
               <p:cNvPr id="6" name="CuadroTexto 5">
@@ -22454,7 +22047,7 @@
             </p:txBody>
           </p:sp>
         </mc:Choice>
-        <mc:Fallback>
+        <mc:Fallback xmlns="">
           <p:sp>
             <p:nvSpPr>
               <p:cNvPr id="6" name="CuadroTexto 5">
@@ -22512,7 +22105,7 @@
 </p:sld>
 </file>
 
-<file path=ppt/slides/slide24.xml><?xml version="1.0" encoding="utf-8"?>
+<file path=ppt/slides/slide23.xml><?xml version="1.0" encoding="utf-8"?>
 <p:sld xmlns:a="http://schemas.openxmlformats.org/drawingml/2006/main" xmlns:r="http://schemas.openxmlformats.org/officeDocument/2006/relationships" xmlns:p="http://schemas.openxmlformats.org/presentationml/2006/main">
   <p:cSld>
     <p:bg>
@@ -22590,8 +22183,8 @@
           </a:p>
         </p:txBody>
       </p:sp>
-      <mc:AlternateContent xmlns:mc="http://schemas.openxmlformats.org/markup-compatibility/2006">
-        <mc:Choice xmlns:a14="http://schemas.microsoft.com/office/drawing/2010/main" Requires="a14">
+      <mc:AlternateContent xmlns:mc="http://schemas.openxmlformats.org/markup-compatibility/2006" xmlns:a14="http://schemas.microsoft.com/office/drawing/2010/main">
+        <mc:Choice Requires="a14">
           <p:sp>
             <p:nvSpPr>
               <p:cNvPr id="6" name="CuadroTexto 5">
@@ -22921,7 +22514,7 @@
             </p:txBody>
           </p:sp>
         </mc:Choice>
-        <mc:Fallback>
+        <mc:Fallback xmlns="">
           <p:sp>
             <p:nvSpPr>
               <p:cNvPr id="6" name="CuadroTexto 5">
@@ -23142,7 +22735,7 @@
 </p:sld>
 </file>
 
-<file path=ppt/slides/slide25.xml><?xml version="1.0" encoding="utf-8"?>
+<file path=ppt/slides/slide24.xml><?xml version="1.0" encoding="utf-8"?>
 <p:sld xmlns:a="http://schemas.openxmlformats.org/drawingml/2006/main" xmlns:r="http://schemas.openxmlformats.org/officeDocument/2006/relationships" xmlns:p="http://schemas.openxmlformats.org/presentationml/2006/main">
   <p:cSld>
     <p:bg>
@@ -25019,8 +24612,8 @@
           </a:p>
         </p:txBody>
       </p:sp>
-      <mc:AlternateContent xmlns:mc="http://schemas.openxmlformats.org/markup-compatibility/2006">
-        <mc:Choice xmlns:a14="http://schemas.microsoft.com/office/drawing/2010/main" Requires="a14">
+      <mc:AlternateContent xmlns:mc="http://schemas.openxmlformats.org/markup-compatibility/2006" xmlns:a14="http://schemas.microsoft.com/office/drawing/2010/main">
+        <mc:Choice Requires="a14">
           <p:sp>
             <p:nvSpPr>
               <p:cNvPr id="4" name="CuadroTexto 3">
@@ -25077,7 +24670,7 @@
             </p:txBody>
           </p:sp>
         </mc:Choice>
-        <mc:Fallback>
+        <mc:Fallback xmlns="">
           <p:sp>
             <p:nvSpPr>
               <p:cNvPr id="4" name="CuadroTexto 3">
@@ -25296,8 +24889,8 @@
           </a:p>
         </p:txBody>
       </p:sp>
-      <mc:AlternateContent xmlns:mc="http://schemas.openxmlformats.org/markup-compatibility/2006">
-        <mc:Choice xmlns:a14="http://schemas.microsoft.com/office/drawing/2010/main" Requires="a14">
+      <mc:AlternateContent xmlns:mc="http://schemas.openxmlformats.org/markup-compatibility/2006" xmlns:a14="http://schemas.microsoft.com/office/drawing/2010/main">
+        <mc:Choice Requires="a14">
           <p:sp>
             <p:nvSpPr>
               <p:cNvPr id="4" name="CuadroTexto 3">
@@ -25354,7 +24947,7 @@
             </p:txBody>
           </p:sp>
         </mc:Choice>
-        <mc:Fallback>
+        <mc:Fallback xmlns="">
           <p:sp>
             <p:nvSpPr>
               <p:cNvPr id="4" name="CuadroTexto 3">
@@ -25452,8 +25045,8 @@
           </a:p>
         </p:txBody>
       </p:sp>
-      <mc:AlternateContent xmlns:mc="http://schemas.openxmlformats.org/markup-compatibility/2006">
-        <mc:Choice xmlns:a14="http://schemas.microsoft.com/office/drawing/2010/main" Requires="a14">
+      <mc:AlternateContent xmlns:mc="http://schemas.openxmlformats.org/markup-compatibility/2006" xmlns:a14="http://schemas.microsoft.com/office/drawing/2010/main">
+        <mc:Choice Requires="a14">
           <p:sp>
             <p:nvSpPr>
               <p:cNvPr id="6" name="CuadroTexto 5">
@@ -25734,7 +25327,7 @@
             </p:txBody>
           </p:sp>
         </mc:Choice>
-        <mc:Fallback>
+        <mc:Fallback xmlns="">
           <p:sp>
             <p:nvSpPr>
               <p:cNvPr id="6" name="CuadroTexto 5">
@@ -26383,6 +25976,15 @@
 </file>
 
 <file path=customXml/item1.xml><?xml version="1.0" encoding="utf-8"?>
+<?mso-contentType ?>
+<FormTemplates xmlns="http://schemas.microsoft.com/sharepoint/v3/contenttype/forms">
+  <Display>DocumentLibraryForm</Display>
+  <Edit>DocumentLibraryForm</Edit>
+  <New>DocumentLibraryForm</New>
+</FormTemplates>
+</file>
+
+<file path=customXml/item2.xml><?xml version="1.0" encoding="utf-8"?>
 <ct:contentTypeSchema xmlns:ct="http://schemas.microsoft.com/office/2006/metadata/contentType" xmlns:ma="http://schemas.microsoft.com/office/2006/metadata/properties/metaAttributes" ct:_="" ma:_="" ma:contentTypeName="Documento" ma:contentTypeID="0x0101005AC884F00719EB4C86E3D4496E7F465D" ma:contentTypeVersion="12" ma:contentTypeDescription="Crear nuevo documento." ma:contentTypeScope="" ma:versionID="11cba4d0cec4a737da09f23a1378fc3c">
   <xsd:schema xmlns:xsd="http://www.w3.org/2001/XMLSchema" xmlns:xs="http://www.w3.org/2001/XMLSchema" xmlns:p="http://schemas.microsoft.com/office/2006/metadata/properties" xmlns:ns2="5fa1e514-98db-47d7-b0e2-2c61da5cb8db" xmlns:ns3="9f763db3-fa4d-46a2-85ca-0a2066a38994" targetNamespace="http://schemas.microsoft.com/office/2006/metadata/properties" ma:root="true" ma:fieldsID="90a7cae9eb9590b3197ceb92cac1d885" ns2:_="" ns3:_="">
     <xsd:import namespace="5fa1e514-98db-47d7-b0e2-2c61da5cb8db"/>
@@ -26599,15 +26201,6 @@
 </ct:contentTypeSchema>
 </file>
 
-<file path=customXml/item2.xml><?xml version="1.0" encoding="utf-8"?>
-<?mso-contentType ?>
-<FormTemplates xmlns="http://schemas.microsoft.com/sharepoint/v3/contenttype/forms">
-  <Display>DocumentLibraryForm</Display>
-  <Edit>DocumentLibraryForm</Edit>
-  <New>DocumentLibraryForm</New>
-</FormTemplates>
-</file>
-
 <file path=customXml/item3.xml><?xml version="1.0" encoding="utf-8"?>
 <p:properties xmlns:p="http://schemas.microsoft.com/office/2006/metadata/properties" xmlns:xsi="http://www.w3.org/2001/XMLSchema-instance" xmlns:pc="http://schemas.microsoft.com/office/infopath/2007/PartnerControls">
   <documentManagement/>
@@ -26615,6 +26208,14 @@
 </file>
 
 <file path=customXml/itemProps1.xml><?xml version="1.0" encoding="utf-8"?>
+<ds:datastoreItem xmlns:ds="http://schemas.openxmlformats.org/officeDocument/2006/customXml" ds:itemID="{9F61CDE4-2F5E-4A3D-A83C-51E9463CCEF0}">
+  <ds:schemaRefs>
+    <ds:schemaRef ds:uri="http://schemas.microsoft.com/sharepoint/v3/contenttype/forms"/>
+  </ds:schemaRefs>
+</ds:datastoreItem>
+</file>
+
+<file path=customXml/itemProps2.xml><?xml version="1.0" encoding="utf-8"?>
 <ds:datastoreItem xmlns:ds="http://schemas.openxmlformats.org/officeDocument/2006/customXml" ds:itemID="{58A72BAC-BE59-493E-B744-8EA530C198B6}">
   <ds:schemaRefs>
     <ds:schemaRef ds:uri="5fa1e514-98db-47d7-b0e2-2c61da5cb8db"/>
@@ -26629,14 +26230,6 @@
     <ds:schemaRef ds:uri="http://schemas.microsoft.com/office/infopath/2007/PartnerControls"/>
     <ds:schemaRef ds:uri="http://schemas.openxmlformats.org/package/2006/metadata/core-properties"/>
     <ds:schemaRef ds:uri="http://www.w3.org/2001/XMLSchema"/>
-  </ds:schemaRefs>
-</ds:datastoreItem>
-</file>
-
-<file path=customXml/itemProps2.xml><?xml version="1.0" encoding="utf-8"?>
-<ds:datastoreItem xmlns:ds="http://schemas.openxmlformats.org/officeDocument/2006/customXml" ds:itemID="{9F61CDE4-2F5E-4A3D-A83C-51E9463CCEF0}">
-  <ds:schemaRefs>
-    <ds:schemaRef ds:uri="http://schemas.microsoft.com/sharepoint/v3/contenttype/forms"/>
   </ds:schemaRefs>
 </ds:datastoreItem>
 </file>
